--- a/中越詩歌/讓愛飛翔_Hãy để tình yêu cao bay.pptx
+++ b/中越詩歌/讓愛飛翔_Hãy để tình yêu cao bay.pptx
@@ -313,7 +313,7 @@
           <a:p>
             <a:fld id="{4708DAAA-A60A-4649-A77A-7F12CC5C96A6}" type="datetimeFigureOut">
               <a:rPr lang="vi-VN" smtClean="0"/>
-              <a:t>07/05/2023</a:t>
+              <a:t>10/05/2023</a:t>
             </a:fld>
             <a:endParaRPr lang="vi-VN"/>
           </a:p>
@@ -483,7 +483,7 @@
           <a:p>
             <a:fld id="{4708DAAA-A60A-4649-A77A-7F12CC5C96A6}" type="datetimeFigureOut">
               <a:rPr lang="vi-VN" smtClean="0"/>
-              <a:t>07/05/2023</a:t>
+              <a:t>10/05/2023</a:t>
             </a:fld>
             <a:endParaRPr lang="vi-VN"/>
           </a:p>
@@ -663,7 +663,7 @@
           <a:p>
             <a:fld id="{4708DAAA-A60A-4649-A77A-7F12CC5C96A6}" type="datetimeFigureOut">
               <a:rPr lang="vi-VN" smtClean="0"/>
-              <a:t>07/05/2023</a:t>
+              <a:t>10/05/2023</a:t>
             </a:fld>
             <a:endParaRPr lang="vi-VN"/>
           </a:p>
@@ -833,7 +833,7 @@
           <a:p>
             <a:fld id="{4708DAAA-A60A-4649-A77A-7F12CC5C96A6}" type="datetimeFigureOut">
               <a:rPr lang="vi-VN" smtClean="0"/>
-              <a:t>07/05/2023</a:t>
+              <a:t>10/05/2023</a:t>
             </a:fld>
             <a:endParaRPr lang="vi-VN"/>
           </a:p>
@@ -1079,7 +1079,7 @@
           <a:p>
             <a:fld id="{4708DAAA-A60A-4649-A77A-7F12CC5C96A6}" type="datetimeFigureOut">
               <a:rPr lang="vi-VN" smtClean="0"/>
-              <a:t>07/05/2023</a:t>
+              <a:t>10/05/2023</a:t>
             </a:fld>
             <a:endParaRPr lang="vi-VN"/>
           </a:p>
@@ -1367,7 +1367,7 @@
           <a:p>
             <a:fld id="{4708DAAA-A60A-4649-A77A-7F12CC5C96A6}" type="datetimeFigureOut">
               <a:rPr lang="vi-VN" smtClean="0"/>
-              <a:t>07/05/2023</a:t>
+              <a:t>10/05/2023</a:t>
             </a:fld>
             <a:endParaRPr lang="vi-VN"/>
           </a:p>
@@ -1789,7 +1789,7 @@
           <a:p>
             <a:fld id="{4708DAAA-A60A-4649-A77A-7F12CC5C96A6}" type="datetimeFigureOut">
               <a:rPr lang="vi-VN" smtClean="0"/>
-              <a:t>07/05/2023</a:t>
+              <a:t>10/05/2023</a:t>
             </a:fld>
             <a:endParaRPr lang="vi-VN"/>
           </a:p>
@@ -1907,7 +1907,7 @@
           <a:p>
             <a:fld id="{4708DAAA-A60A-4649-A77A-7F12CC5C96A6}" type="datetimeFigureOut">
               <a:rPr lang="vi-VN" smtClean="0"/>
-              <a:t>07/05/2023</a:t>
+              <a:t>10/05/2023</a:t>
             </a:fld>
             <a:endParaRPr lang="vi-VN"/>
           </a:p>
@@ -2002,7 +2002,7 @@
           <a:p>
             <a:fld id="{4708DAAA-A60A-4649-A77A-7F12CC5C96A6}" type="datetimeFigureOut">
               <a:rPr lang="vi-VN" smtClean="0"/>
-              <a:t>07/05/2023</a:t>
+              <a:t>10/05/2023</a:t>
             </a:fld>
             <a:endParaRPr lang="vi-VN"/>
           </a:p>
@@ -2279,7 +2279,7 @@
           <a:p>
             <a:fld id="{4708DAAA-A60A-4649-A77A-7F12CC5C96A6}" type="datetimeFigureOut">
               <a:rPr lang="vi-VN" smtClean="0"/>
-              <a:t>07/05/2023</a:t>
+              <a:t>10/05/2023</a:t>
             </a:fld>
             <a:endParaRPr lang="vi-VN"/>
           </a:p>
@@ -2536,7 +2536,7 @@
           <a:p>
             <a:fld id="{4708DAAA-A60A-4649-A77A-7F12CC5C96A6}" type="datetimeFigureOut">
               <a:rPr lang="vi-VN" smtClean="0"/>
-              <a:t>07/05/2023</a:t>
+              <a:t>10/05/2023</a:t>
             </a:fld>
             <a:endParaRPr lang="vi-VN"/>
           </a:p>
@@ -2754,7 +2754,7 @@
           <a:p>
             <a:fld id="{4708DAAA-A60A-4649-A77A-7F12CC5C96A6}" type="datetimeFigureOut">
               <a:rPr lang="vi-VN" smtClean="0"/>
-              <a:t>07/05/2023</a:t>
+              <a:t>10/05/2023</a:t>
             </a:fld>
             <a:endParaRPr lang="vi-VN"/>
           </a:p>
@@ -8353,7 +8353,7 @@
               <a:buNone/>
             </a:pPr>
             <a:r>
-              <a:rPr lang="en-US" sz="4000" b="1" dirty="0" err="1" smtClean="0">
+              <a:rPr lang="en-US" sz="3600" b="1" dirty="0" err="1" smtClean="0">
                 <a:solidFill>
                   <a:srgbClr val="660033"/>
                 </a:solidFill>
@@ -8364,40 +8364,40 @@
               <a:t>Hãy</a:t>
             </a:r>
             <a:r>
-              <a:rPr lang="en-US" sz="4000" b="1" dirty="0" smtClean="0">
-                <a:solidFill>
-                  <a:srgbClr val="660033"/>
-                </a:solidFill>
-                <a:latin typeface="Calibri" panose="020F0502020204030204" pitchFamily="34" charset="0"/>
-                <a:ea typeface="微軟正黑體" pitchFamily="34" charset="-120"/>
-                <a:cs typeface="Calibri" panose="020F0502020204030204" pitchFamily="34" charset="0"/>
-              </a:rPr>
-              <a:t> </a:t>
-            </a:r>
-            <a:r>
-              <a:rPr lang="en-US" sz="4000" b="1" dirty="0" err="1" smtClean="0">
-                <a:solidFill>
-                  <a:srgbClr val="660033"/>
-                </a:solidFill>
-                <a:latin typeface="Calibri" panose="020F0502020204030204" pitchFamily="34" charset="0"/>
-                <a:ea typeface="微軟正黑體" pitchFamily="34" charset="-120"/>
-                <a:cs typeface="Calibri" panose="020F0502020204030204" pitchFamily="34" charset="0"/>
-              </a:rPr>
-              <a:t>để</a:t>
-            </a:r>
-            <a:r>
-              <a:rPr lang="en-US" sz="4000" b="1" dirty="0" smtClean="0">
-                <a:solidFill>
-                  <a:srgbClr val="660033"/>
-                </a:solidFill>
-                <a:latin typeface="Calibri" panose="020F0502020204030204" pitchFamily="34" charset="0"/>
-                <a:ea typeface="微軟正黑體" pitchFamily="34" charset="-120"/>
-                <a:cs typeface="Calibri" panose="020F0502020204030204" pitchFamily="34" charset="0"/>
-              </a:rPr>
-              <a:t> </a:t>
-            </a:r>
-            <a:r>
-              <a:rPr lang="en-US" sz="4000" b="1" dirty="0" err="1">
+              <a:rPr lang="en-US" sz="3600" b="1" dirty="0" smtClean="0">
+                <a:solidFill>
+                  <a:srgbClr val="660033"/>
+                </a:solidFill>
+                <a:latin typeface="Calibri" panose="020F0502020204030204" pitchFamily="34" charset="0"/>
+                <a:ea typeface="微軟正黑體" pitchFamily="34" charset="-120"/>
+                <a:cs typeface="Calibri" panose="020F0502020204030204" pitchFamily="34" charset="0"/>
+              </a:rPr>
+              <a:t> </a:t>
+            </a:r>
+            <a:r>
+              <a:rPr lang="en-US" sz="3600" b="1" dirty="0" err="1">
+                <a:solidFill>
+                  <a:srgbClr val="660033"/>
+                </a:solidFill>
+                <a:latin typeface="Calibri" panose="020F0502020204030204" pitchFamily="34" charset="0"/>
+                <a:ea typeface="微軟正黑體" pitchFamily="34" charset="-120"/>
+                <a:cs typeface="Calibri" panose="020F0502020204030204" pitchFamily="34" charset="0"/>
+              </a:rPr>
+              <a:t>sẻ</a:t>
+            </a:r>
+            <a:r>
+              <a:rPr lang="en-US" sz="3600" b="1" dirty="0">
+                <a:solidFill>
+                  <a:srgbClr val="660033"/>
+                </a:solidFill>
+                <a:latin typeface="Calibri" panose="020F0502020204030204" pitchFamily="34" charset="0"/>
+                <a:ea typeface="微軟正黑體" pitchFamily="34" charset="-120"/>
+                <a:cs typeface="Calibri" panose="020F0502020204030204" pitchFamily="34" charset="0"/>
+              </a:rPr>
+              <a:t> chia </a:t>
+            </a:r>
+            <a:r>
+              <a:rPr lang="en-US" sz="3600" b="1" dirty="0" err="1">
                 <a:solidFill>
                   <a:srgbClr val="660033"/>
                 </a:solidFill>
@@ -8408,18 +8408,18 @@
               <a:t>tình</a:t>
             </a:r>
             <a:r>
-              <a:rPr lang="en-US" sz="4000" b="1" dirty="0">
-                <a:solidFill>
-                  <a:srgbClr val="660033"/>
-                </a:solidFill>
-                <a:latin typeface="Calibri" panose="020F0502020204030204" pitchFamily="34" charset="0"/>
-                <a:ea typeface="微軟正黑體" pitchFamily="34" charset="-120"/>
-                <a:cs typeface="Calibri" panose="020F0502020204030204" pitchFamily="34" charset="0"/>
-              </a:rPr>
-              <a:t> </a:t>
-            </a:r>
-            <a:r>
-              <a:rPr lang="en-US" sz="4000" b="1" dirty="0" err="1">
+              <a:rPr lang="en-US" sz="3600" b="1" dirty="0">
+                <a:solidFill>
+                  <a:srgbClr val="660033"/>
+                </a:solidFill>
+                <a:latin typeface="Calibri" panose="020F0502020204030204" pitchFamily="34" charset="0"/>
+                <a:ea typeface="微軟正黑體" pitchFamily="34" charset="-120"/>
+                <a:cs typeface="Calibri" panose="020F0502020204030204" pitchFamily="34" charset="0"/>
+              </a:rPr>
+              <a:t> </a:t>
+            </a:r>
+            <a:r>
+              <a:rPr lang="en-US" sz="3600" b="1" dirty="0" err="1">
                 <a:solidFill>
                   <a:srgbClr val="660033"/>
                 </a:solidFill>
@@ -8430,18 +8430,18 @@
               <a:t>yêu</a:t>
             </a:r>
             <a:r>
-              <a:rPr lang="en-US" sz="4000" b="1" dirty="0">
-                <a:solidFill>
-                  <a:srgbClr val="660033"/>
-                </a:solidFill>
-                <a:latin typeface="Calibri" panose="020F0502020204030204" pitchFamily="34" charset="0"/>
-                <a:ea typeface="微軟正黑體" pitchFamily="34" charset="-120"/>
-                <a:cs typeface="Calibri" panose="020F0502020204030204" pitchFamily="34" charset="0"/>
-              </a:rPr>
-              <a:t> </a:t>
-            </a:r>
-            <a:r>
-              <a:rPr lang="en-US" sz="4000" b="1" dirty="0" err="1">
+              <a:rPr lang="en-US" sz="3600" b="1" dirty="0">
+                <a:solidFill>
+                  <a:srgbClr val="660033"/>
+                </a:solidFill>
+                <a:latin typeface="Calibri" panose="020F0502020204030204" pitchFamily="34" charset="0"/>
+                <a:ea typeface="微軟正黑體" pitchFamily="34" charset="-120"/>
+                <a:cs typeface="Calibri" panose="020F0502020204030204" pitchFamily="34" charset="0"/>
+              </a:rPr>
+              <a:t> </a:t>
+            </a:r>
+            <a:r>
+              <a:rPr lang="en-US" sz="3600" b="1" dirty="0" err="1" smtClean="0">
                 <a:solidFill>
                   <a:srgbClr val="660033"/>
                 </a:solidFill>
@@ -8452,62 +8452,18 @@
               <a:t>này</a:t>
             </a:r>
             <a:r>
-              <a:rPr lang="en-US" sz="4000" b="1" dirty="0">
-                <a:solidFill>
-                  <a:srgbClr val="660033"/>
-                </a:solidFill>
-                <a:latin typeface="Calibri" panose="020F0502020204030204" pitchFamily="34" charset="0"/>
-                <a:ea typeface="微軟正黑體" pitchFamily="34" charset="-120"/>
-                <a:cs typeface="Calibri" panose="020F0502020204030204" pitchFamily="34" charset="0"/>
-              </a:rPr>
-              <a:t> </a:t>
-            </a:r>
-            <a:r>
-              <a:rPr lang="en-US" sz="4000" b="1" dirty="0" err="1" smtClean="0">
-                <a:solidFill>
-                  <a:srgbClr val="660033"/>
-                </a:solidFill>
-                <a:latin typeface="Calibri" panose="020F0502020204030204" pitchFamily="34" charset="0"/>
-                <a:ea typeface="微軟正黑體" pitchFamily="34" charset="-120"/>
-                <a:cs typeface="Calibri" panose="020F0502020204030204" pitchFamily="34" charset="0"/>
-              </a:rPr>
-              <a:t>được</a:t>
-            </a:r>
-            <a:r>
-              <a:rPr lang="en-US" sz="4000" b="1" dirty="0">
-                <a:solidFill>
-                  <a:srgbClr val="660033"/>
-                </a:solidFill>
-                <a:latin typeface="Calibri" panose="020F0502020204030204" pitchFamily="34" charset="0"/>
-                <a:ea typeface="微軟正黑體" pitchFamily="34" charset="-120"/>
-                <a:cs typeface="Calibri" panose="020F0502020204030204" pitchFamily="34" charset="0"/>
-              </a:rPr>
-              <a:t> </a:t>
-            </a:r>
-            <a:r>
-              <a:rPr lang="en-US" sz="4000" b="1" dirty="0" err="1">
-                <a:solidFill>
-                  <a:srgbClr val="660033"/>
-                </a:solidFill>
-                <a:latin typeface="Calibri" panose="020F0502020204030204" pitchFamily="34" charset="0"/>
-                <a:ea typeface="微軟正黑體" pitchFamily="34" charset="-120"/>
-                <a:cs typeface="Calibri" panose="020F0502020204030204" pitchFamily="34" charset="0"/>
-              </a:rPr>
-              <a:t>sẻ</a:t>
-            </a:r>
-            <a:r>
-              <a:rPr lang="en-US" sz="4000" b="1" dirty="0">
-                <a:solidFill>
-                  <a:srgbClr val="660033"/>
-                </a:solidFill>
-                <a:latin typeface="Calibri" panose="020F0502020204030204" pitchFamily="34" charset="0"/>
-                <a:ea typeface="微軟正黑體" pitchFamily="34" charset="-120"/>
-                <a:cs typeface="Calibri" panose="020F0502020204030204" pitchFamily="34" charset="0"/>
-              </a:rPr>
-              <a:t> chia, </a:t>
-            </a:r>
-            <a:r>
-              <a:rPr lang="en-US" sz="4000" b="1" dirty="0" err="1" smtClean="0">
+              <a:rPr lang="en-US" sz="3600" b="1" dirty="0" smtClean="0">
+                <a:solidFill>
+                  <a:srgbClr val="660033"/>
+                </a:solidFill>
+                <a:latin typeface="Calibri" panose="020F0502020204030204" pitchFamily="34" charset="0"/>
+                <a:ea typeface="微軟正黑體" pitchFamily="34" charset="-120"/>
+                <a:cs typeface="Calibri" panose="020F0502020204030204" pitchFamily="34" charset="0"/>
+              </a:rPr>
+              <a:t>, </a:t>
+            </a:r>
+            <a:r>
+              <a:rPr lang="en-US" sz="3600" b="1" dirty="0" err="1" smtClean="0">
                 <a:solidFill>
                   <a:srgbClr val="660033"/>
                 </a:solidFill>
@@ -8518,18 +8474,18 @@
               <a:t>khiến</a:t>
             </a:r>
             <a:r>
-              <a:rPr lang="en-US" sz="4000" b="1" dirty="0" smtClean="0">
-                <a:solidFill>
-                  <a:srgbClr val="660033"/>
-                </a:solidFill>
-                <a:latin typeface="Calibri" panose="020F0502020204030204" pitchFamily="34" charset="0"/>
-                <a:ea typeface="微軟正黑體" pitchFamily="34" charset="-120"/>
-                <a:cs typeface="Calibri" panose="020F0502020204030204" pitchFamily="34" charset="0"/>
-              </a:rPr>
-              <a:t> </a:t>
-            </a:r>
-            <a:r>
-              <a:rPr lang="en-US" sz="4000" b="1" dirty="0" err="1" smtClean="0">
+              <a:rPr lang="en-US" sz="3600" b="1" dirty="0" smtClean="0">
+                <a:solidFill>
+                  <a:srgbClr val="660033"/>
+                </a:solidFill>
+                <a:latin typeface="Calibri" panose="020F0502020204030204" pitchFamily="34" charset="0"/>
+                <a:ea typeface="微軟正黑體" pitchFamily="34" charset="-120"/>
+                <a:cs typeface="Calibri" panose="020F0502020204030204" pitchFamily="34" charset="0"/>
+              </a:rPr>
+              <a:t> </a:t>
+            </a:r>
+            <a:r>
+              <a:rPr lang="en-US" sz="3600" b="1" dirty="0" err="1" smtClean="0">
                 <a:solidFill>
                   <a:srgbClr val="660033"/>
                 </a:solidFill>
@@ -8540,18 +8496,18 @@
               <a:t>cho</a:t>
             </a:r>
             <a:r>
-              <a:rPr lang="en-US" sz="4000" b="1" dirty="0" smtClean="0">
-                <a:solidFill>
-                  <a:srgbClr val="660033"/>
-                </a:solidFill>
-                <a:latin typeface="Calibri" panose="020F0502020204030204" pitchFamily="34" charset="0"/>
-                <a:ea typeface="微軟正黑體" pitchFamily="34" charset="-120"/>
-                <a:cs typeface="Calibri" panose="020F0502020204030204" pitchFamily="34" charset="0"/>
-              </a:rPr>
-              <a:t> </a:t>
-            </a:r>
-            <a:r>
-              <a:rPr lang="en-US" sz="4000" b="1" dirty="0" err="1" smtClean="0">
+              <a:rPr lang="en-US" sz="3600" b="1" dirty="0" smtClean="0">
+                <a:solidFill>
+                  <a:srgbClr val="660033"/>
+                </a:solidFill>
+                <a:latin typeface="Calibri" panose="020F0502020204030204" pitchFamily="34" charset="0"/>
+                <a:ea typeface="微軟正黑體" pitchFamily="34" charset="-120"/>
+                <a:cs typeface="Calibri" panose="020F0502020204030204" pitchFamily="34" charset="0"/>
+              </a:rPr>
+              <a:t> </a:t>
+            </a:r>
+            <a:r>
+              <a:rPr lang="en-US" sz="3600" b="1" dirty="0" err="1" smtClean="0">
                 <a:solidFill>
                   <a:srgbClr val="660033"/>
                 </a:solidFill>
@@ -8562,18 +8518,18 @@
               <a:t>thế</a:t>
             </a:r>
             <a:r>
-              <a:rPr lang="en-US" sz="4000" b="1" dirty="0" smtClean="0">
-                <a:solidFill>
-                  <a:srgbClr val="660033"/>
-                </a:solidFill>
-                <a:latin typeface="Calibri" panose="020F0502020204030204" pitchFamily="34" charset="0"/>
-                <a:ea typeface="微軟正黑體" pitchFamily="34" charset="-120"/>
-                <a:cs typeface="Calibri" panose="020F0502020204030204" pitchFamily="34" charset="0"/>
-              </a:rPr>
-              <a:t> </a:t>
-            </a:r>
-            <a:r>
-              <a:rPr lang="en-US" sz="4000" b="1" dirty="0" err="1" smtClean="0">
+              <a:rPr lang="en-US" sz="3600" b="1" dirty="0" smtClean="0">
+                <a:solidFill>
+                  <a:srgbClr val="660033"/>
+                </a:solidFill>
+                <a:latin typeface="Calibri" panose="020F0502020204030204" pitchFamily="34" charset="0"/>
+                <a:ea typeface="微軟正黑體" pitchFamily="34" charset="-120"/>
+                <a:cs typeface="Calibri" panose="020F0502020204030204" pitchFamily="34" charset="0"/>
+              </a:rPr>
+              <a:t> </a:t>
+            </a:r>
+            <a:r>
+              <a:rPr lang="en-US" sz="3600" b="1" dirty="0" err="1" smtClean="0">
                 <a:solidFill>
                   <a:srgbClr val="660033"/>
                 </a:solidFill>
@@ -8584,18 +8540,18 @@
               <a:t>giới</a:t>
             </a:r>
             <a:r>
-              <a:rPr lang="en-US" sz="4000" b="1" dirty="0" smtClean="0">
-                <a:solidFill>
-                  <a:srgbClr val="660033"/>
-                </a:solidFill>
-                <a:latin typeface="Calibri" panose="020F0502020204030204" pitchFamily="34" charset="0"/>
-                <a:ea typeface="微軟正黑體" pitchFamily="34" charset="-120"/>
-                <a:cs typeface="Calibri" panose="020F0502020204030204" pitchFamily="34" charset="0"/>
-              </a:rPr>
-              <a:t> </a:t>
-            </a:r>
-            <a:r>
-              <a:rPr lang="en-US" sz="4000" b="1" dirty="0" err="1" smtClean="0">
+              <a:rPr lang="en-US" sz="3600" b="1" dirty="0" smtClean="0">
+                <a:solidFill>
+                  <a:srgbClr val="660033"/>
+                </a:solidFill>
+                <a:latin typeface="Calibri" panose="020F0502020204030204" pitchFamily="34" charset="0"/>
+                <a:ea typeface="微軟正黑體" pitchFamily="34" charset="-120"/>
+                <a:cs typeface="Calibri" panose="020F0502020204030204" pitchFamily="34" charset="0"/>
+              </a:rPr>
+              <a:t> </a:t>
+            </a:r>
+            <a:r>
+              <a:rPr lang="en-US" sz="3600" b="1" dirty="0" err="1" smtClean="0">
                 <a:solidFill>
                   <a:srgbClr val="660033"/>
                 </a:solidFill>
@@ -8606,18 +8562,18 @@
               <a:t>khác</a:t>
             </a:r>
             <a:r>
-              <a:rPr lang="en-US" sz="4000" b="1" dirty="0" smtClean="0">
-                <a:solidFill>
-                  <a:srgbClr val="660033"/>
-                </a:solidFill>
-                <a:latin typeface="Calibri" panose="020F0502020204030204" pitchFamily="34" charset="0"/>
-                <a:ea typeface="微軟正黑體" pitchFamily="34" charset="-120"/>
-                <a:cs typeface="Calibri" panose="020F0502020204030204" pitchFamily="34" charset="0"/>
-              </a:rPr>
-              <a:t> </a:t>
-            </a:r>
-            <a:r>
-              <a:rPr lang="en-US" sz="4000" b="1" dirty="0" err="1" smtClean="0">
+              <a:rPr lang="en-US" sz="3600" b="1" dirty="0" smtClean="0">
+                <a:solidFill>
+                  <a:srgbClr val="660033"/>
+                </a:solidFill>
+                <a:latin typeface="Calibri" panose="020F0502020204030204" pitchFamily="34" charset="0"/>
+                <a:ea typeface="微軟正黑體" pitchFamily="34" charset="-120"/>
+                <a:cs typeface="Calibri" panose="020F0502020204030204" pitchFamily="34" charset="0"/>
+              </a:rPr>
+              <a:t> </a:t>
+            </a:r>
+            <a:r>
+              <a:rPr lang="en-US" sz="3600" b="1" dirty="0" err="1" smtClean="0">
                 <a:solidFill>
                   <a:srgbClr val="660033"/>
                 </a:solidFill>
@@ -8628,18 +8584,18 @@
               <a:t>biệt</a:t>
             </a:r>
             <a:r>
-              <a:rPr lang="en-US" sz="4000" b="1" dirty="0" smtClean="0">
-                <a:solidFill>
-                  <a:srgbClr val="660033"/>
-                </a:solidFill>
-                <a:latin typeface="Calibri" panose="020F0502020204030204" pitchFamily="34" charset="0"/>
-                <a:ea typeface="微軟正黑體" pitchFamily="34" charset="-120"/>
-                <a:cs typeface="Calibri" panose="020F0502020204030204" pitchFamily="34" charset="0"/>
-              </a:rPr>
-              <a:t> </a:t>
-            </a:r>
-            <a:r>
-              <a:rPr lang="en-US" sz="4000" b="1" dirty="0" err="1" smtClean="0">
+              <a:rPr lang="en-US" sz="3600" b="1" dirty="0" smtClean="0">
+                <a:solidFill>
+                  <a:srgbClr val="660033"/>
+                </a:solidFill>
+                <a:latin typeface="Calibri" panose="020F0502020204030204" pitchFamily="34" charset="0"/>
+                <a:ea typeface="微軟正黑體" pitchFamily="34" charset="-120"/>
+                <a:cs typeface="Calibri" panose="020F0502020204030204" pitchFamily="34" charset="0"/>
+              </a:rPr>
+              <a:t> </a:t>
+            </a:r>
+            <a:r>
+              <a:rPr lang="en-US" sz="3600" b="1" dirty="0" err="1" smtClean="0">
                 <a:solidFill>
                   <a:srgbClr val="660033"/>
                 </a:solidFill>
@@ -8649,7 +8605,7 @@
               </a:rPr>
               <a:t>hơn</a:t>
             </a:r>
-            <a:endParaRPr lang="en-US" sz="4000" b="1" dirty="0">
+            <a:endParaRPr lang="en-US" sz="3600" b="1" dirty="0">
               <a:solidFill>
                 <a:srgbClr val="660033"/>
               </a:solidFill>
@@ -9482,7 +9438,7 @@
               <a:buNone/>
             </a:pPr>
             <a:r>
-              <a:rPr lang="en-US" sz="4000" b="1" dirty="0" err="1">
+              <a:rPr lang="en-US" sz="3200" b="1" dirty="0" err="1">
                 <a:solidFill>
                   <a:srgbClr val="660033"/>
                 </a:solidFill>
@@ -9493,18 +9449,18 @@
               <a:t>Hãy</a:t>
             </a:r>
             <a:r>
-              <a:rPr lang="en-US" sz="4000" b="1" dirty="0">
-                <a:solidFill>
-                  <a:srgbClr val="660033"/>
-                </a:solidFill>
-                <a:latin typeface="Calibri" panose="020F0502020204030204" pitchFamily="34" charset="0"/>
-                <a:ea typeface="微軟正黑體" pitchFamily="34" charset="-120"/>
-                <a:cs typeface="Calibri" panose="020F0502020204030204" pitchFamily="34" charset="0"/>
-              </a:rPr>
-              <a:t> </a:t>
-            </a:r>
-            <a:r>
-              <a:rPr lang="en-US" sz="4000" b="1" dirty="0" err="1">
+              <a:rPr lang="en-US" sz="3200" b="1" dirty="0">
+                <a:solidFill>
+                  <a:srgbClr val="660033"/>
+                </a:solidFill>
+                <a:latin typeface="Calibri" panose="020F0502020204030204" pitchFamily="34" charset="0"/>
+                <a:ea typeface="微軟正黑體" pitchFamily="34" charset="-120"/>
+                <a:cs typeface="Calibri" panose="020F0502020204030204" pitchFamily="34" charset="0"/>
+              </a:rPr>
+              <a:t> </a:t>
+            </a:r>
+            <a:r>
+              <a:rPr lang="en-US" sz="3200" b="1" dirty="0" err="1">
                 <a:solidFill>
                   <a:srgbClr val="660033"/>
                 </a:solidFill>
@@ -9515,18 +9471,18 @@
               <a:t>để</a:t>
             </a:r>
             <a:r>
-              <a:rPr lang="en-US" sz="4000" b="1" dirty="0">
-                <a:solidFill>
-                  <a:srgbClr val="660033"/>
-                </a:solidFill>
-                <a:latin typeface="Calibri" panose="020F0502020204030204" pitchFamily="34" charset="0"/>
-                <a:ea typeface="微軟正黑體" pitchFamily="34" charset="-120"/>
-                <a:cs typeface="Calibri" panose="020F0502020204030204" pitchFamily="34" charset="0"/>
-              </a:rPr>
-              <a:t> </a:t>
-            </a:r>
-            <a:r>
-              <a:rPr lang="en-US" sz="4000" b="1" dirty="0" err="1" smtClean="0">
+              <a:rPr lang="en-US" sz="3200" b="1" dirty="0">
+                <a:solidFill>
+                  <a:srgbClr val="660033"/>
+                </a:solidFill>
+                <a:latin typeface="Calibri" panose="020F0502020204030204" pitchFamily="34" charset="0"/>
+                <a:ea typeface="微軟正黑體" pitchFamily="34" charset="-120"/>
+                <a:cs typeface="Calibri" panose="020F0502020204030204" pitchFamily="34" charset="0"/>
+              </a:rPr>
+              <a:t> </a:t>
+            </a:r>
+            <a:r>
+              <a:rPr lang="en-US" sz="3200" b="1" dirty="0" err="1" smtClean="0">
                 <a:solidFill>
                   <a:srgbClr val="660033"/>
                 </a:solidFill>
@@ -9537,18 +9493,18 @@
               <a:t>những</a:t>
             </a:r>
             <a:r>
-              <a:rPr lang="en-US" sz="4000" b="1" dirty="0" smtClean="0">
-                <a:solidFill>
-                  <a:srgbClr val="660033"/>
-                </a:solidFill>
-                <a:latin typeface="Calibri" panose="020F0502020204030204" pitchFamily="34" charset="0"/>
-                <a:ea typeface="微軟正黑體" pitchFamily="34" charset="-120"/>
-                <a:cs typeface="Calibri" panose="020F0502020204030204" pitchFamily="34" charset="0"/>
-              </a:rPr>
-              <a:t> </a:t>
-            </a:r>
-            <a:r>
-              <a:rPr lang="en-US" sz="4000" b="1" dirty="0" err="1">
+              <a:rPr lang="en-US" sz="3200" b="1" dirty="0" smtClean="0">
+                <a:solidFill>
+                  <a:srgbClr val="660033"/>
+                </a:solidFill>
+                <a:latin typeface="Calibri" panose="020F0502020204030204" pitchFamily="34" charset="0"/>
+                <a:ea typeface="微軟正黑體" pitchFamily="34" charset="-120"/>
+                <a:cs typeface="Calibri" panose="020F0502020204030204" pitchFamily="34" charset="0"/>
+              </a:rPr>
+              <a:t> </a:t>
+            </a:r>
+            <a:r>
+              <a:rPr lang="en-US" sz="3200" b="1" dirty="0" err="1">
                 <a:solidFill>
                   <a:srgbClr val="660033"/>
                 </a:solidFill>
@@ -9559,18 +9515,18 @@
               <a:t>xúc</a:t>
             </a:r>
             <a:r>
-              <a:rPr lang="en-US" sz="4000" b="1" dirty="0">
-                <a:solidFill>
-                  <a:srgbClr val="660033"/>
-                </a:solidFill>
-                <a:latin typeface="Calibri" panose="020F0502020204030204" pitchFamily="34" charset="0"/>
-                <a:ea typeface="微軟正黑體" pitchFamily="34" charset="-120"/>
-                <a:cs typeface="Calibri" panose="020F0502020204030204" pitchFamily="34" charset="0"/>
-              </a:rPr>
-              <a:t> </a:t>
-            </a:r>
-            <a:r>
-              <a:rPr lang="en-US" sz="4000" b="1" dirty="0" err="1">
+              <a:rPr lang="en-US" sz="3200" b="1" dirty="0">
+                <a:solidFill>
+                  <a:srgbClr val="660033"/>
+                </a:solidFill>
+                <a:latin typeface="Calibri" panose="020F0502020204030204" pitchFamily="34" charset="0"/>
+                <a:ea typeface="微軟正黑體" pitchFamily="34" charset="-120"/>
+                <a:cs typeface="Calibri" panose="020F0502020204030204" pitchFamily="34" charset="0"/>
+              </a:rPr>
+              <a:t> </a:t>
+            </a:r>
+            <a:r>
+              <a:rPr lang="en-US" sz="3200" b="1" dirty="0" err="1">
                 <a:solidFill>
                   <a:srgbClr val="660033"/>
                 </a:solidFill>
@@ -9581,18 +9537,18 @@
               <a:t>động</a:t>
             </a:r>
             <a:r>
-              <a:rPr lang="en-US" sz="4000" b="1" dirty="0">
-                <a:solidFill>
-                  <a:srgbClr val="660033"/>
-                </a:solidFill>
-                <a:latin typeface="Calibri" panose="020F0502020204030204" pitchFamily="34" charset="0"/>
-                <a:ea typeface="微軟正黑體" pitchFamily="34" charset="-120"/>
-                <a:cs typeface="Calibri" panose="020F0502020204030204" pitchFamily="34" charset="0"/>
-              </a:rPr>
-              <a:t> </a:t>
-            </a:r>
-            <a:r>
-              <a:rPr lang="en-US" sz="4000" b="1" dirty="0" err="1">
+              <a:rPr lang="en-US" sz="3200" b="1" dirty="0">
+                <a:solidFill>
+                  <a:srgbClr val="660033"/>
+                </a:solidFill>
+                <a:latin typeface="Calibri" panose="020F0502020204030204" pitchFamily="34" charset="0"/>
+                <a:ea typeface="微軟正黑體" pitchFamily="34" charset="-120"/>
+                <a:cs typeface="Calibri" panose="020F0502020204030204" pitchFamily="34" charset="0"/>
+              </a:rPr>
+              <a:t> </a:t>
+            </a:r>
+            <a:r>
+              <a:rPr lang="en-US" sz="3200" b="1" dirty="0" err="1">
                 <a:solidFill>
                   <a:srgbClr val="660033"/>
                 </a:solidFill>
@@ -9603,18 +9559,18 @@
               <a:t>sâu</a:t>
             </a:r>
             <a:r>
-              <a:rPr lang="en-US" sz="4000" b="1" dirty="0">
-                <a:solidFill>
-                  <a:srgbClr val="660033"/>
-                </a:solidFill>
-                <a:latin typeface="Calibri" panose="020F0502020204030204" pitchFamily="34" charset="0"/>
-                <a:ea typeface="微軟正黑體" pitchFamily="34" charset="-120"/>
-                <a:cs typeface="Calibri" panose="020F0502020204030204" pitchFamily="34" charset="0"/>
-              </a:rPr>
-              <a:t> </a:t>
-            </a:r>
-            <a:r>
-              <a:rPr lang="en-US" sz="4000" b="1" dirty="0" err="1" smtClean="0">
+              <a:rPr lang="en-US" sz="3200" b="1" dirty="0">
+                <a:solidFill>
+                  <a:srgbClr val="660033"/>
+                </a:solidFill>
+                <a:latin typeface="Calibri" panose="020F0502020204030204" pitchFamily="34" charset="0"/>
+                <a:ea typeface="微軟正黑體" pitchFamily="34" charset="-120"/>
+                <a:cs typeface="Calibri" panose="020F0502020204030204" pitchFamily="34" charset="0"/>
+              </a:rPr>
+              <a:t> </a:t>
+            </a:r>
+            <a:r>
+              <a:rPr lang="en-US" sz="3200" b="1" dirty="0" err="1" smtClean="0">
                 <a:solidFill>
                   <a:srgbClr val="660033"/>
                 </a:solidFill>
@@ -9625,18 +9581,18 @@
               <a:t>sắc</a:t>
             </a:r>
             <a:r>
-              <a:rPr lang="en-US" sz="4000" b="1" dirty="0" smtClean="0">
-                <a:solidFill>
-                  <a:srgbClr val="660033"/>
-                </a:solidFill>
-                <a:latin typeface="Calibri" panose="020F0502020204030204" pitchFamily="34" charset="0"/>
-                <a:ea typeface="微軟正黑體" pitchFamily="34" charset="-120"/>
-                <a:cs typeface="Calibri" panose="020F0502020204030204" pitchFamily="34" charset="0"/>
-              </a:rPr>
-              <a:t> </a:t>
-            </a:r>
-            <a:r>
-              <a:rPr lang="en-US" sz="4000" b="1" dirty="0" err="1" smtClean="0">
+              <a:rPr lang="en-US" sz="3200" b="1" dirty="0" smtClean="0">
+                <a:solidFill>
+                  <a:srgbClr val="660033"/>
+                </a:solidFill>
+                <a:latin typeface="Calibri" panose="020F0502020204030204" pitchFamily="34" charset="0"/>
+                <a:ea typeface="微軟正黑體" pitchFamily="34" charset="-120"/>
+                <a:cs typeface="Calibri" panose="020F0502020204030204" pitchFamily="34" charset="0"/>
+              </a:rPr>
+              <a:t> </a:t>
+            </a:r>
+            <a:r>
+              <a:rPr lang="en-US" sz="3200" b="1" dirty="0" err="1" smtClean="0">
                 <a:solidFill>
                   <a:srgbClr val="660033"/>
                 </a:solidFill>
@@ -9647,18 +9603,18 @@
               <a:t>đọng</a:t>
             </a:r>
             <a:r>
-              <a:rPr lang="en-US" sz="4000" b="1" dirty="0" smtClean="0">
-                <a:solidFill>
-                  <a:srgbClr val="660033"/>
-                </a:solidFill>
-                <a:latin typeface="Calibri" panose="020F0502020204030204" pitchFamily="34" charset="0"/>
-                <a:ea typeface="微軟正黑體" pitchFamily="34" charset="-120"/>
-                <a:cs typeface="Calibri" panose="020F0502020204030204" pitchFamily="34" charset="0"/>
-              </a:rPr>
-              <a:t> </a:t>
-            </a:r>
-            <a:r>
-              <a:rPr lang="en-US" sz="4000" b="1" dirty="0" err="1">
+              <a:rPr lang="en-US" sz="3200" b="1" dirty="0" smtClean="0">
+                <a:solidFill>
+                  <a:srgbClr val="660033"/>
+                </a:solidFill>
+                <a:latin typeface="Calibri" panose="020F0502020204030204" pitchFamily="34" charset="0"/>
+                <a:ea typeface="微軟正黑體" pitchFamily="34" charset="-120"/>
+                <a:cs typeface="Calibri" panose="020F0502020204030204" pitchFamily="34" charset="0"/>
+              </a:rPr>
+              <a:t> </a:t>
+            </a:r>
+            <a:r>
+              <a:rPr lang="en-US" sz="3200" b="1" dirty="0" err="1">
                 <a:solidFill>
                   <a:srgbClr val="660033"/>
                 </a:solidFill>
@@ -9669,18 +9625,18 @@
               <a:t>lại</a:t>
             </a:r>
             <a:r>
-              <a:rPr lang="en-US" sz="4000" b="1" dirty="0">
-                <a:solidFill>
-                  <a:srgbClr val="660033"/>
-                </a:solidFill>
-                <a:latin typeface="Calibri" panose="020F0502020204030204" pitchFamily="34" charset="0"/>
-                <a:ea typeface="微軟正黑體" pitchFamily="34" charset="-120"/>
-                <a:cs typeface="Calibri" panose="020F0502020204030204" pitchFamily="34" charset="0"/>
-              </a:rPr>
-              <a:t> </a:t>
-            </a:r>
-            <a:r>
-              <a:rPr lang="en-US" sz="4000" b="1" dirty="0" err="1">
+              <a:rPr lang="en-US" sz="3200" b="1" dirty="0">
+                <a:solidFill>
+                  <a:srgbClr val="660033"/>
+                </a:solidFill>
+                <a:latin typeface="Calibri" panose="020F0502020204030204" pitchFamily="34" charset="0"/>
+                <a:ea typeface="微軟正黑體" pitchFamily="34" charset="-120"/>
+                <a:cs typeface="Calibri" panose="020F0502020204030204" pitchFamily="34" charset="0"/>
+              </a:rPr>
+              <a:t> </a:t>
+            </a:r>
+            <a:r>
+              <a:rPr lang="en-US" sz="3200" b="1" dirty="0" err="1">
                 <a:solidFill>
                   <a:srgbClr val="660033"/>
                 </a:solidFill>
@@ -9691,18 +9647,18 @@
               <a:t>trong</a:t>
             </a:r>
             <a:r>
-              <a:rPr lang="en-US" sz="4000" b="1" dirty="0">
-                <a:solidFill>
-                  <a:srgbClr val="660033"/>
-                </a:solidFill>
-                <a:latin typeface="Calibri" panose="020F0502020204030204" pitchFamily="34" charset="0"/>
-                <a:ea typeface="微軟正黑體" pitchFamily="34" charset="-120"/>
-                <a:cs typeface="Calibri" panose="020F0502020204030204" pitchFamily="34" charset="0"/>
-              </a:rPr>
-              <a:t> </a:t>
-            </a:r>
-            <a:r>
-              <a:rPr lang="en-US" sz="4000" b="1" dirty="0" err="1">
+              <a:rPr lang="en-US" sz="3200" b="1" dirty="0">
+                <a:solidFill>
+                  <a:srgbClr val="660033"/>
+                </a:solidFill>
+                <a:latin typeface="Calibri" panose="020F0502020204030204" pitchFamily="34" charset="0"/>
+                <a:ea typeface="微軟正黑體" pitchFamily="34" charset="-120"/>
+                <a:cs typeface="Calibri" panose="020F0502020204030204" pitchFamily="34" charset="0"/>
+              </a:rPr>
+              <a:t> </a:t>
+            </a:r>
+            <a:r>
+              <a:rPr lang="en-US" sz="3200" b="1" dirty="0" err="1">
                 <a:solidFill>
                   <a:srgbClr val="660033"/>
                 </a:solidFill>
@@ -9713,18 +9669,18 @@
               <a:t>trái</a:t>
             </a:r>
             <a:r>
-              <a:rPr lang="en-US" sz="4000" b="1" dirty="0">
-                <a:solidFill>
-                  <a:srgbClr val="660033"/>
-                </a:solidFill>
-                <a:latin typeface="Calibri" panose="020F0502020204030204" pitchFamily="34" charset="0"/>
-                <a:ea typeface="微軟正黑體" pitchFamily="34" charset="-120"/>
-                <a:cs typeface="Calibri" panose="020F0502020204030204" pitchFamily="34" charset="0"/>
-              </a:rPr>
-              <a:t> </a:t>
-            </a:r>
-            <a:r>
-              <a:rPr lang="en-US" sz="4000" b="1" dirty="0" err="1">
+              <a:rPr lang="en-US" sz="3200" b="1" dirty="0">
+                <a:solidFill>
+                  <a:srgbClr val="660033"/>
+                </a:solidFill>
+                <a:latin typeface="Calibri" panose="020F0502020204030204" pitchFamily="34" charset="0"/>
+                <a:ea typeface="微軟正黑體" pitchFamily="34" charset="-120"/>
+                <a:cs typeface="Calibri" panose="020F0502020204030204" pitchFamily="34" charset="0"/>
+              </a:rPr>
+              <a:t> </a:t>
+            </a:r>
+            <a:r>
+              <a:rPr lang="en-US" sz="3200" b="1" dirty="0" err="1">
                 <a:solidFill>
                   <a:srgbClr val="660033"/>
                 </a:solidFill>
@@ -9735,18 +9691,18 @@
               <a:t>tim</a:t>
             </a:r>
             <a:r>
-              <a:rPr lang="en-US" sz="4000" b="1" dirty="0">
-                <a:solidFill>
-                  <a:srgbClr val="660033"/>
-                </a:solidFill>
-                <a:latin typeface="Calibri" panose="020F0502020204030204" pitchFamily="34" charset="0"/>
-                <a:ea typeface="微軟正黑體" pitchFamily="34" charset="-120"/>
-                <a:cs typeface="Calibri" panose="020F0502020204030204" pitchFamily="34" charset="0"/>
-              </a:rPr>
-              <a:t> </a:t>
-            </a:r>
-            <a:r>
-              <a:rPr lang="en-US" sz="4000" b="1" dirty="0" err="1" smtClean="0">
+              <a:rPr lang="en-US" sz="3200" b="1" dirty="0">
+                <a:solidFill>
+                  <a:srgbClr val="660033"/>
+                </a:solidFill>
+                <a:latin typeface="Calibri" panose="020F0502020204030204" pitchFamily="34" charset="0"/>
+                <a:ea typeface="微軟正黑體" pitchFamily="34" charset="-120"/>
+                <a:cs typeface="Calibri" panose="020F0502020204030204" pitchFamily="34" charset="0"/>
+              </a:rPr>
+              <a:t> </a:t>
+            </a:r>
+            <a:r>
+              <a:rPr lang="en-US" sz="3200" b="1" dirty="0" err="1" smtClean="0">
                 <a:solidFill>
                   <a:srgbClr val="660033"/>
                 </a:solidFill>
@@ -9757,18 +9713,18 @@
               <a:t>mỗi</a:t>
             </a:r>
             <a:r>
-              <a:rPr lang="en-US" sz="4000" b="1" dirty="0" smtClean="0">
-                <a:solidFill>
-                  <a:srgbClr val="660033"/>
-                </a:solidFill>
-                <a:latin typeface="Calibri" panose="020F0502020204030204" pitchFamily="34" charset="0"/>
-                <a:ea typeface="微軟正黑體" pitchFamily="34" charset="-120"/>
-                <a:cs typeface="Calibri" panose="020F0502020204030204" pitchFamily="34" charset="0"/>
-              </a:rPr>
-              <a:t> </a:t>
-            </a:r>
-            <a:r>
-              <a:rPr lang="en-US" sz="4000" b="1" dirty="0" err="1">
+              <a:rPr lang="en-US" sz="3200" b="1" dirty="0" smtClean="0">
+                <a:solidFill>
+                  <a:srgbClr val="660033"/>
+                </a:solidFill>
+                <a:latin typeface="Calibri" panose="020F0502020204030204" pitchFamily="34" charset="0"/>
+                <a:ea typeface="微軟正黑體" pitchFamily="34" charset="-120"/>
+                <a:cs typeface="Calibri" panose="020F0502020204030204" pitchFamily="34" charset="0"/>
+              </a:rPr>
+              <a:t> </a:t>
+            </a:r>
+            <a:r>
+              <a:rPr lang="en-US" sz="3200" b="1" dirty="0" err="1">
                 <a:solidFill>
                   <a:srgbClr val="660033"/>
                 </a:solidFill>
@@ -9779,7 +9735,7 @@
               <a:t>chúng</a:t>
             </a:r>
             <a:r>
-              <a:rPr lang="en-US" sz="4000" b="1" dirty="0">
+              <a:rPr lang="en-US" sz="3200" b="1" dirty="0">
                 <a:solidFill>
                   <a:srgbClr val="660033"/>
                 </a:solidFill>
